--- a/Domain Model.pptx
+++ b/Domain Model.pptx
@@ -290,7 +290,8 @@
           <a:p>
             <a:fld id="{BD7446E5-D940-4A56-9426-C7981CB0116A}" type="datetimeFigureOut">
               <a:rPr lang="en-CA" smtClean="0"/>
-              <a:t>21/04/2017</a:t>
+              <a:pPr/>
+              <a:t>2017-04-22</a:t>
             </a:fld>
             <a:endParaRPr lang="en-CA"/>
           </a:p>
@@ -332,6 +333,7 @@
           <a:p>
             <a:fld id="{A5169357-E191-4201-B6EF-B44484369D44}" type="slidenum">
               <a:rPr lang="en-CA" smtClean="0"/>
+              <a:pPr/>
               <a:t>‹#›</a:t>
             </a:fld>
             <a:endParaRPr lang="en-CA"/>
@@ -341,7 +343,7 @@
     </p:spTree>
     <p:extLst>
       <p:ext uri="{BB962C8B-B14F-4D97-AF65-F5344CB8AC3E}">
-        <p14:creationId xmlns:p14="http://schemas.microsoft.com/office/powerpoint/2010/main" val="2526408239"/>
+        <p14:creationId xmlns:p14="http://schemas.microsoft.com/office/powerpoint/2010/main" xmlns="" val="2526408239"/>
       </p:ext>
     </p:extLst>
   </p:cSld>
@@ -460,7 +462,8 @@
           <a:p>
             <a:fld id="{BD7446E5-D940-4A56-9426-C7981CB0116A}" type="datetimeFigureOut">
               <a:rPr lang="en-CA" smtClean="0"/>
-              <a:t>21/04/2017</a:t>
+              <a:pPr/>
+              <a:t>2017-04-22</a:t>
             </a:fld>
             <a:endParaRPr lang="en-CA"/>
           </a:p>
@@ -502,6 +505,7 @@
           <a:p>
             <a:fld id="{A5169357-E191-4201-B6EF-B44484369D44}" type="slidenum">
               <a:rPr lang="en-CA" smtClean="0"/>
+              <a:pPr/>
               <a:t>‹#›</a:t>
             </a:fld>
             <a:endParaRPr lang="en-CA"/>
@@ -511,7 +515,7 @@
     </p:spTree>
     <p:extLst>
       <p:ext uri="{BB962C8B-B14F-4D97-AF65-F5344CB8AC3E}">
-        <p14:creationId xmlns:p14="http://schemas.microsoft.com/office/powerpoint/2010/main" val="3360443112"/>
+        <p14:creationId xmlns:p14="http://schemas.microsoft.com/office/powerpoint/2010/main" xmlns="" val="3360443112"/>
       </p:ext>
     </p:extLst>
   </p:cSld>
@@ -640,7 +644,8 @@
           <a:p>
             <a:fld id="{BD7446E5-D940-4A56-9426-C7981CB0116A}" type="datetimeFigureOut">
               <a:rPr lang="en-CA" smtClean="0"/>
-              <a:t>21/04/2017</a:t>
+              <a:pPr/>
+              <a:t>2017-04-22</a:t>
             </a:fld>
             <a:endParaRPr lang="en-CA"/>
           </a:p>
@@ -682,6 +687,7 @@
           <a:p>
             <a:fld id="{A5169357-E191-4201-B6EF-B44484369D44}" type="slidenum">
               <a:rPr lang="en-CA" smtClean="0"/>
+              <a:pPr/>
               <a:t>‹#›</a:t>
             </a:fld>
             <a:endParaRPr lang="en-CA"/>
@@ -691,7 +697,7 @@
     </p:spTree>
     <p:extLst>
       <p:ext uri="{BB962C8B-B14F-4D97-AF65-F5344CB8AC3E}">
-        <p14:creationId xmlns:p14="http://schemas.microsoft.com/office/powerpoint/2010/main" val="914591669"/>
+        <p14:creationId xmlns:p14="http://schemas.microsoft.com/office/powerpoint/2010/main" xmlns="" val="914591669"/>
       </p:ext>
     </p:extLst>
   </p:cSld>
@@ -810,7 +816,8 @@
           <a:p>
             <a:fld id="{BD7446E5-D940-4A56-9426-C7981CB0116A}" type="datetimeFigureOut">
               <a:rPr lang="en-CA" smtClean="0"/>
-              <a:t>21/04/2017</a:t>
+              <a:pPr/>
+              <a:t>2017-04-22</a:t>
             </a:fld>
             <a:endParaRPr lang="en-CA"/>
           </a:p>
@@ -852,6 +859,7 @@
           <a:p>
             <a:fld id="{A5169357-E191-4201-B6EF-B44484369D44}" type="slidenum">
               <a:rPr lang="en-CA" smtClean="0"/>
+              <a:pPr/>
               <a:t>‹#›</a:t>
             </a:fld>
             <a:endParaRPr lang="en-CA"/>
@@ -861,7 +869,7 @@
     </p:spTree>
     <p:extLst>
       <p:ext uri="{BB962C8B-B14F-4D97-AF65-F5344CB8AC3E}">
-        <p14:creationId xmlns:p14="http://schemas.microsoft.com/office/powerpoint/2010/main" val="1636071984"/>
+        <p14:creationId xmlns:p14="http://schemas.microsoft.com/office/powerpoint/2010/main" xmlns="" val="1636071984"/>
       </p:ext>
     </p:extLst>
   </p:cSld>
@@ -1056,7 +1064,8 @@
           <a:p>
             <a:fld id="{BD7446E5-D940-4A56-9426-C7981CB0116A}" type="datetimeFigureOut">
               <a:rPr lang="en-CA" smtClean="0"/>
-              <a:t>21/04/2017</a:t>
+              <a:pPr/>
+              <a:t>2017-04-22</a:t>
             </a:fld>
             <a:endParaRPr lang="en-CA"/>
           </a:p>
@@ -1098,6 +1107,7 @@
           <a:p>
             <a:fld id="{A5169357-E191-4201-B6EF-B44484369D44}" type="slidenum">
               <a:rPr lang="en-CA" smtClean="0"/>
+              <a:pPr/>
               <a:t>‹#›</a:t>
             </a:fld>
             <a:endParaRPr lang="en-CA"/>
@@ -1107,7 +1117,7 @@
     </p:spTree>
     <p:extLst>
       <p:ext uri="{BB962C8B-B14F-4D97-AF65-F5344CB8AC3E}">
-        <p14:creationId xmlns:p14="http://schemas.microsoft.com/office/powerpoint/2010/main" val="3071725406"/>
+        <p14:creationId xmlns:p14="http://schemas.microsoft.com/office/powerpoint/2010/main" xmlns="" val="3071725406"/>
       </p:ext>
     </p:extLst>
   </p:cSld>
@@ -1344,7 +1354,8 @@
           <a:p>
             <a:fld id="{BD7446E5-D940-4A56-9426-C7981CB0116A}" type="datetimeFigureOut">
               <a:rPr lang="en-CA" smtClean="0"/>
-              <a:t>21/04/2017</a:t>
+              <a:pPr/>
+              <a:t>2017-04-22</a:t>
             </a:fld>
             <a:endParaRPr lang="en-CA"/>
           </a:p>
@@ -1386,6 +1397,7 @@
           <a:p>
             <a:fld id="{A5169357-E191-4201-B6EF-B44484369D44}" type="slidenum">
               <a:rPr lang="en-CA" smtClean="0"/>
+              <a:pPr/>
               <a:t>‹#›</a:t>
             </a:fld>
             <a:endParaRPr lang="en-CA"/>
@@ -1395,7 +1407,7 @@
     </p:spTree>
     <p:extLst>
       <p:ext uri="{BB962C8B-B14F-4D97-AF65-F5344CB8AC3E}">
-        <p14:creationId xmlns:p14="http://schemas.microsoft.com/office/powerpoint/2010/main" val="3660409976"/>
+        <p14:creationId xmlns:p14="http://schemas.microsoft.com/office/powerpoint/2010/main" xmlns="" val="3660409976"/>
       </p:ext>
     </p:extLst>
   </p:cSld>
@@ -1766,7 +1778,8 @@
           <a:p>
             <a:fld id="{BD7446E5-D940-4A56-9426-C7981CB0116A}" type="datetimeFigureOut">
               <a:rPr lang="en-CA" smtClean="0"/>
-              <a:t>21/04/2017</a:t>
+              <a:pPr/>
+              <a:t>2017-04-22</a:t>
             </a:fld>
             <a:endParaRPr lang="en-CA"/>
           </a:p>
@@ -1808,6 +1821,7 @@
           <a:p>
             <a:fld id="{A5169357-E191-4201-B6EF-B44484369D44}" type="slidenum">
               <a:rPr lang="en-CA" smtClean="0"/>
+              <a:pPr/>
               <a:t>‹#›</a:t>
             </a:fld>
             <a:endParaRPr lang="en-CA"/>
@@ -1817,7 +1831,7 @@
     </p:spTree>
     <p:extLst>
       <p:ext uri="{BB962C8B-B14F-4D97-AF65-F5344CB8AC3E}">
-        <p14:creationId xmlns:p14="http://schemas.microsoft.com/office/powerpoint/2010/main" val="2507173497"/>
+        <p14:creationId xmlns:p14="http://schemas.microsoft.com/office/powerpoint/2010/main" xmlns="" val="2507173497"/>
       </p:ext>
     </p:extLst>
   </p:cSld>
@@ -1884,7 +1898,8 @@
           <a:p>
             <a:fld id="{BD7446E5-D940-4A56-9426-C7981CB0116A}" type="datetimeFigureOut">
               <a:rPr lang="en-CA" smtClean="0"/>
-              <a:t>21/04/2017</a:t>
+              <a:pPr/>
+              <a:t>2017-04-22</a:t>
             </a:fld>
             <a:endParaRPr lang="en-CA"/>
           </a:p>
@@ -1926,6 +1941,7 @@
           <a:p>
             <a:fld id="{A5169357-E191-4201-B6EF-B44484369D44}" type="slidenum">
               <a:rPr lang="en-CA" smtClean="0"/>
+              <a:pPr/>
               <a:t>‹#›</a:t>
             </a:fld>
             <a:endParaRPr lang="en-CA"/>
@@ -1935,7 +1951,7 @@
     </p:spTree>
     <p:extLst>
       <p:ext uri="{BB962C8B-B14F-4D97-AF65-F5344CB8AC3E}">
-        <p14:creationId xmlns:p14="http://schemas.microsoft.com/office/powerpoint/2010/main" val="1475885810"/>
+        <p14:creationId xmlns:p14="http://schemas.microsoft.com/office/powerpoint/2010/main" xmlns="" val="1475885810"/>
       </p:ext>
     </p:extLst>
   </p:cSld>
@@ -1979,7 +1995,8 @@
           <a:p>
             <a:fld id="{BD7446E5-D940-4A56-9426-C7981CB0116A}" type="datetimeFigureOut">
               <a:rPr lang="en-CA" smtClean="0"/>
-              <a:t>21/04/2017</a:t>
+              <a:pPr/>
+              <a:t>2017-04-22</a:t>
             </a:fld>
             <a:endParaRPr lang="en-CA"/>
           </a:p>
@@ -2021,6 +2038,7 @@
           <a:p>
             <a:fld id="{A5169357-E191-4201-B6EF-B44484369D44}" type="slidenum">
               <a:rPr lang="en-CA" smtClean="0"/>
+              <a:pPr/>
               <a:t>‹#›</a:t>
             </a:fld>
             <a:endParaRPr lang="en-CA"/>
@@ -2030,7 +2048,7 @@
     </p:spTree>
     <p:extLst>
       <p:ext uri="{BB962C8B-B14F-4D97-AF65-F5344CB8AC3E}">
-        <p14:creationId xmlns:p14="http://schemas.microsoft.com/office/powerpoint/2010/main" val="1364628644"/>
+        <p14:creationId xmlns:p14="http://schemas.microsoft.com/office/powerpoint/2010/main" xmlns="" val="1364628644"/>
       </p:ext>
     </p:extLst>
   </p:cSld>
@@ -2256,7 +2274,8 @@
           <a:p>
             <a:fld id="{BD7446E5-D940-4A56-9426-C7981CB0116A}" type="datetimeFigureOut">
               <a:rPr lang="en-CA" smtClean="0"/>
-              <a:t>21/04/2017</a:t>
+              <a:pPr/>
+              <a:t>2017-04-22</a:t>
             </a:fld>
             <a:endParaRPr lang="en-CA"/>
           </a:p>
@@ -2298,6 +2317,7 @@
           <a:p>
             <a:fld id="{A5169357-E191-4201-B6EF-B44484369D44}" type="slidenum">
               <a:rPr lang="en-CA" smtClean="0"/>
+              <a:pPr/>
               <a:t>‹#›</a:t>
             </a:fld>
             <a:endParaRPr lang="en-CA"/>
@@ -2307,7 +2327,7 @@
     </p:spTree>
     <p:extLst>
       <p:ext uri="{BB962C8B-B14F-4D97-AF65-F5344CB8AC3E}">
-        <p14:creationId xmlns:p14="http://schemas.microsoft.com/office/powerpoint/2010/main" val="1158777825"/>
+        <p14:creationId xmlns:p14="http://schemas.microsoft.com/office/powerpoint/2010/main" xmlns="" val="1158777825"/>
       </p:ext>
     </p:extLst>
   </p:cSld>
@@ -2509,7 +2529,8 @@
           <a:p>
             <a:fld id="{BD7446E5-D940-4A56-9426-C7981CB0116A}" type="datetimeFigureOut">
               <a:rPr lang="en-CA" smtClean="0"/>
-              <a:t>21/04/2017</a:t>
+              <a:pPr/>
+              <a:t>2017-04-22</a:t>
             </a:fld>
             <a:endParaRPr lang="en-CA"/>
           </a:p>
@@ -2551,6 +2572,7 @@
           <a:p>
             <a:fld id="{A5169357-E191-4201-B6EF-B44484369D44}" type="slidenum">
               <a:rPr lang="en-CA" smtClean="0"/>
+              <a:pPr/>
               <a:t>‹#›</a:t>
             </a:fld>
             <a:endParaRPr lang="en-CA"/>
@@ -2560,7 +2582,7 @@
     </p:spTree>
     <p:extLst>
       <p:ext uri="{BB962C8B-B14F-4D97-AF65-F5344CB8AC3E}">
-        <p14:creationId xmlns:p14="http://schemas.microsoft.com/office/powerpoint/2010/main" val="1008905526"/>
+        <p14:creationId xmlns:p14="http://schemas.microsoft.com/office/powerpoint/2010/main" xmlns="" val="1008905526"/>
       </p:ext>
     </p:extLst>
   </p:cSld>
@@ -2722,7 +2744,8 @@
           <a:p>
             <a:fld id="{BD7446E5-D940-4A56-9426-C7981CB0116A}" type="datetimeFigureOut">
               <a:rPr lang="en-CA" smtClean="0"/>
-              <a:t>21/04/2017</a:t>
+              <a:pPr/>
+              <a:t>2017-04-22</a:t>
             </a:fld>
             <a:endParaRPr lang="en-CA"/>
           </a:p>
@@ -2800,6 +2823,7 @@
           <a:p>
             <a:fld id="{A5169357-E191-4201-B6EF-B44484369D44}" type="slidenum">
               <a:rPr lang="en-CA" smtClean="0"/>
+              <a:pPr/>
               <a:t>‹#›</a:t>
             </a:fld>
             <a:endParaRPr lang="en-CA"/>
@@ -2809,7 +2833,7 @@
     </p:spTree>
     <p:extLst>
       <p:ext uri="{BB962C8B-B14F-4D97-AF65-F5344CB8AC3E}">
-        <p14:creationId xmlns:p14="http://schemas.microsoft.com/office/powerpoint/2010/main" val="2365899594"/>
+        <p14:creationId xmlns:p14="http://schemas.microsoft.com/office/powerpoint/2010/main" xmlns="" val="2365899594"/>
       </p:ext>
     </p:extLst>
   </p:cSld>
@@ -3105,7 +3129,7 @@
         </p:nvSpPr>
         <p:spPr>
           <a:xfrm>
-            <a:off x="2819400" y="1981200"/>
+            <a:off x="762000" y="1981200"/>
             <a:ext cx="1371600" cy="685800"/>
           </a:xfrm>
           <a:prstGeom prst="rect">
@@ -3169,7 +3193,7 @@
         </p:nvSpPr>
         <p:spPr>
           <a:xfrm>
-            <a:off x="5029200" y="1981200"/>
+            <a:off x="4343400" y="1981200"/>
             <a:ext cx="1371600" cy="685800"/>
           </a:xfrm>
           <a:prstGeom prst="rect">
@@ -3233,7 +3257,7 @@
         </p:nvSpPr>
         <p:spPr>
           <a:xfrm>
-            <a:off x="7315200" y="1981200"/>
+            <a:off x="6934200" y="1981200"/>
             <a:ext cx="1371600" cy="685800"/>
           </a:xfrm>
           <a:prstGeom prst="rect">
@@ -3297,7 +3321,7 @@
         </p:nvSpPr>
         <p:spPr>
           <a:xfrm>
-            <a:off x="5029200" y="3733800"/>
+            <a:off x="4343400" y="4648200"/>
             <a:ext cx="1371600" cy="685800"/>
           </a:xfrm>
           <a:prstGeom prst="rect">
@@ -3361,7 +3385,7 @@
         </p:nvSpPr>
         <p:spPr>
           <a:xfrm>
-            <a:off x="457200" y="1981200"/>
+            <a:off x="4343400" y="3276600"/>
             <a:ext cx="1371600" cy="685800"/>
           </a:xfrm>
           <a:prstGeom prst="rect">
@@ -3425,7 +3449,7 @@
         </p:nvSpPr>
         <p:spPr>
           <a:xfrm>
-            <a:off x="457200" y="3733800"/>
+            <a:off x="2057400" y="3276600"/>
             <a:ext cx="1371600" cy="685800"/>
           </a:xfrm>
           <a:prstGeom prst="rect">
@@ -3503,8 +3527,8 @@
         </p:nvCxnSpPr>
         <p:spPr>
           <a:xfrm>
-            <a:off x="4191000" y="2324100"/>
-            <a:ext cx="838200" cy="0"/>
+            <a:off x="2133600" y="2324100"/>
+            <a:ext cx="2209800" cy="0"/>
           </a:xfrm>
           <a:prstGeom prst="line">
             <a:avLst/>
@@ -3543,8 +3567,8 @@
         </p:nvCxnSpPr>
         <p:spPr>
           <a:xfrm>
-            <a:off x="6400800" y="2324100"/>
-            <a:ext cx="914400" cy="0"/>
+            <a:off x="5715000" y="2324100"/>
+            <a:ext cx="1219200" cy="0"/>
           </a:xfrm>
           <a:prstGeom prst="line">
             <a:avLst/>
@@ -3576,15 +3600,15 @@
         <p:nvCxnSpPr>
           <p:cNvPr id="16" name="Straight Connector 15"/>
           <p:cNvCxnSpPr>
-            <a:stCxn id="9" idx="0"/>
-            <a:endCxn id="8" idx="2"/>
+            <a:stCxn id="9" idx="3"/>
+            <a:endCxn id="8" idx="1"/>
           </p:cNvCxnSpPr>
           <p:nvPr/>
         </p:nvCxnSpPr>
         <p:spPr>
-          <a:xfrm flipV="1">
-            <a:off x="1143000" y="2667000"/>
-            <a:ext cx="0" cy="1066800"/>
+          <a:xfrm>
+            <a:off x="3429000" y="3619500"/>
+            <a:ext cx="914400" cy="0"/>
           </a:xfrm>
           <a:prstGeom prst="line">
             <a:avLst/>
@@ -3623,8 +3647,8 @@
         </p:nvCxnSpPr>
         <p:spPr>
           <a:xfrm rot="5400000">
-            <a:off x="6496050" y="2571750"/>
-            <a:ext cx="1409700" cy="1600200"/>
+            <a:off x="5505450" y="2876550"/>
+            <a:ext cx="2324100" cy="1905000"/>
           </a:xfrm>
           <a:prstGeom prst="bentConnector2">
             <a:avLst/>
@@ -3663,8 +3687,8 @@
         </p:nvCxnSpPr>
         <p:spPr>
           <a:xfrm rot="16200000" flipH="1">
-            <a:off x="3562350" y="2609850"/>
-            <a:ext cx="1409700" cy="1524000"/>
+            <a:off x="1733550" y="2381250"/>
+            <a:ext cx="2324100" cy="2895600"/>
           </a:xfrm>
           <a:prstGeom prst="bentConnector2">
             <a:avLst/>
@@ -3696,15 +3720,15 @@
         <p:nvCxnSpPr>
           <p:cNvPr id="32" name="Straight Connector 31"/>
           <p:cNvCxnSpPr>
-            <a:stCxn id="4" idx="1"/>
-            <a:endCxn id="8" idx="3"/>
+            <a:stCxn id="5" idx="2"/>
+            <a:endCxn id="8" idx="0"/>
           </p:cNvCxnSpPr>
           <p:nvPr/>
         </p:nvCxnSpPr>
         <p:spPr>
-          <a:xfrm flipH="1">
-            <a:off x="1828800" y="2324100"/>
-            <a:ext cx="990600" cy="0"/>
+          <a:xfrm>
+            <a:off x="5029200" y="2667000"/>
+            <a:ext cx="0" cy="609600"/>
           </a:xfrm>
           <a:prstGeom prst="line">
             <a:avLst/>
@@ -3740,7 +3764,7 @@
         </p:nvSpPr>
         <p:spPr>
           <a:xfrm>
-            <a:off x="4210063" y="1721307"/>
+            <a:off x="2209800" y="1721307"/>
             <a:ext cx="263214" cy="276999"/>
           </a:xfrm>
           <a:prstGeom prst="rect">
@@ -3770,7 +3794,7 @@
         </p:nvSpPr>
         <p:spPr>
           <a:xfrm>
-            <a:off x="4765986" y="1721307"/>
+            <a:off x="4080186" y="1721307"/>
             <a:ext cx="263214" cy="276999"/>
           </a:xfrm>
           <a:prstGeom prst="rect">
@@ -3800,7 +3824,7 @@
         </p:nvSpPr>
         <p:spPr>
           <a:xfrm>
-            <a:off x="6400800" y="1721307"/>
+            <a:off x="5715000" y="1721307"/>
             <a:ext cx="263214" cy="276999"/>
           </a:xfrm>
           <a:prstGeom prst="rect">
@@ -3830,7 +3854,7 @@
         </p:nvSpPr>
         <p:spPr>
           <a:xfrm>
-            <a:off x="7051986" y="1721307"/>
+            <a:off x="6670986" y="1721307"/>
             <a:ext cx="263214" cy="276999"/>
           </a:xfrm>
           <a:prstGeom prst="rect">
@@ -3860,7 +3884,7 @@
         </p:nvSpPr>
         <p:spPr>
           <a:xfrm>
-            <a:off x="1828800" y="1721307"/>
+            <a:off x="5029200" y="2971800"/>
             <a:ext cx="263214" cy="276999"/>
           </a:xfrm>
           <a:prstGeom prst="rect">
@@ -3890,7 +3914,7 @@
         </p:nvSpPr>
         <p:spPr>
           <a:xfrm>
-            <a:off x="1828800" y="3456801"/>
+            <a:off x="3429000" y="3276600"/>
             <a:ext cx="263214" cy="276999"/>
           </a:xfrm>
           <a:prstGeom prst="rect">
@@ -3920,7 +3944,7 @@
         </p:nvSpPr>
         <p:spPr>
           <a:xfrm>
-            <a:off x="1828800" y="2680805"/>
+            <a:off x="4038600" y="3352800"/>
             <a:ext cx="263214" cy="276999"/>
           </a:xfrm>
           <a:prstGeom prst="rect">
@@ -3950,7 +3974,7 @@
         </p:nvSpPr>
         <p:spPr>
           <a:xfrm>
-            <a:off x="3565097" y="2743200"/>
+            <a:off x="1143000" y="2743200"/>
             <a:ext cx="263214" cy="276999"/>
           </a:xfrm>
           <a:prstGeom prst="rect">
@@ -3980,7 +4004,37 @@
         </p:nvSpPr>
         <p:spPr>
           <a:xfrm>
-            <a:off x="4765986" y="3727580"/>
+            <a:off x="5029200" y="4343400"/>
+            <a:ext cx="263214" cy="276999"/>
+          </a:xfrm>
+          <a:prstGeom prst="rect">
+            <a:avLst/>
+          </a:prstGeom>
+          <a:noFill/>
+        </p:spPr>
+        <p:txBody>
+          <a:bodyPr wrap="square" rtlCol="0">
+            <a:spAutoFit/>
+          </a:bodyPr>
+          <a:lstStyle/>
+          <a:p>
+            <a:r>
+              <a:rPr lang="en-US" sz="1200" dirty="0" smtClean="0"/>
+              <a:t>*</a:t>
+            </a:r>
+            <a:endParaRPr lang="en-CA" sz="1200" dirty="0"/>
+          </a:p>
+        </p:txBody>
+      </p:sp>
+      <p:sp>
+        <p:nvSpPr>
+          <p:cNvPr id="24" name="TextBox 23"/>
+          <p:cNvSpPr txBox="1"/>
+          <p:nvPr/>
+        </p:nvSpPr>
+        <p:spPr>
+          <a:xfrm>
+            <a:off x="5029200" y="2667000"/>
             <a:ext cx="263214" cy="276999"/>
           </a:xfrm>
           <a:prstGeom prst="rect">
@@ -4004,13 +4058,13 @@
       </p:sp>
       <p:sp>
         <p:nvSpPr>
-          <p:cNvPr id="24" name="TextBox 23"/>
+          <p:cNvPr id="25" name="TextBox 24"/>
           <p:cNvSpPr txBox="1"/>
           <p:nvPr/>
         </p:nvSpPr>
         <p:spPr>
           <a:xfrm>
-            <a:off x="6400800" y="3727580"/>
+            <a:off x="7620000" y="2736980"/>
             <a:ext cx="263214" cy="276999"/>
           </a:xfrm>
           <a:prstGeom prst="rect">
@@ -4026,7 +4080,7 @@
           <a:p>
             <a:r>
               <a:rPr lang="en-US" sz="1200" dirty="0" smtClean="0"/>
-              <a:t>*</a:t>
+              <a:t>1</a:t>
             </a:r>
             <a:endParaRPr lang="en-CA" sz="1200" dirty="0"/>
           </a:p>
@@ -4034,14 +4088,14 @@
       </p:sp>
       <p:sp>
         <p:nvSpPr>
-          <p:cNvPr id="25" name="TextBox 24"/>
+          <p:cNvPr id="28" name="TextBox 27"/>
           <p:cNvSpPr txBox="1"/>
           <p:nvPr/>
         </p:nvSpPr>
         <p:spPr>
           <a:xfrm>
-            <a:off x="8001000" y="2736980"/>
-            <a:ext cx="263214" cy="276999"/>
+            <a:off x="3647069" y="3657600"/>
+            <a:ext cx="543931" cy="276999"/>
           </a:xfrm>
           <a:prstGeom prst="rect">
             <a:avLst/>
@@ -4056,7 +4110,7 @@
           <a:p>
             <a:r>
               <a:rPr lang="en-US" sz="1200" dirty="0" smtClean="0"/>
-              <a:t>1</a:t>
+              <a:t>Prints</a:t>
             </a:r>
             <a:endParaRPr lang="en-CA" sz="1200" dirty="0"/>
           </a:p>
@@ -4064,14 +4118,14 @@
       </p:sp>
       <p:sp>
         <p:nvSpPr>
-          <p:cNvPr id="28" name="TextBox 27"/>
+          <p:cNvPr id="29" name="TextBox 28"/>
           <p:cNvSpPr txBox="1"/>
           <p:nvPr/>
         </p:nvSpPr>
         <p:spPr>
           <a:xfrm>
-            <a:off x="1143000" y="3020199"/>
-            <a:ext cx="543931" cy="276999"/>
+            <a:off x="5257800" y="2819400"/>
+            <a:ext cx="726417" cy="276999"/>
           </a:xfrm>
           <a:prstGeom prst="rect">
             <a:avLst/>
@@ -4086,7 +4140,7 @@
           <a:p>
             <a:r>
               <a:rPr lang="en-US" sz="1200" dirty="0" smtClean="0"/>
-              <a:t>Prints</a:t>
+              <a:t>Contains</a:t>
             </a:r>
             <a:endParaRPr lang="en-CA" sz="1200" dirty="0"/>
           </a:p>
@@ -4094,14 +4148,14 @@
       </p:sp>
       <p:sp>
         <p:nvSpPr>
-          <p:cNvPr id="29" name="TextBox 28"/>
+          <p:cNvPr id="30" name="TextBox 29"/>
           <p:cNvSpPr txBox="1"/>
           <p:nvPr/>
         </p:nvSpPr>
         <p:spPr>
           <a:xfrm>
-            <a:off x="1913090" y="2044182"/>
-            <a:ext cx="826060" cy="276999"/>
+            <a:off x="2971800" y="2044182"/>
+            <a:ext cx="726417" cy="276999"/>
           </a:xfrm>
           <a:prstGeom prst="rect">
             <a:avLst/>
@@ -4116,7 +4170,7 @@
           <a:p>
             <a:r>
               <a:rPr lang="en-US" sz="1200" dirty="0" smtClean="0"/>
-              <a:t>Generates</a:t>
+              <a:t>Contains</a:t>
             </a:r>
             <a:endParaRPr lang="en-CA" sz="1200" dirty="0"/>
           </a:p>
@@ -4124,14 +4178,14 @@
       </p:sp>
       <p:sp>
         <p:nvSpPr>
-          <p:cNvPr id="30" name="TextBox 29"/>
+          <p:cNvPr id="31" name="TextBox 30"/>
           <p:cNvSpPr txBox="1"/>
           <p:nvPr/>
         </p:nvSpPr>
         <p:spPr>
           <a:xfrm>
-            <a:off x="4214728" y="2044182"/>
-            <a:ext cx="726417" cy="276999"/>
+            <a:off x="5029200" y="3962400"/>
+            <a:ext cx="263214" cy="276999"/>
           </a:xfrm>
           <a:prstGeom prst="rect">
             <a:avLst/>
@@ -4146,7 +4200,7 @@
           <a:p>
             <a:r>
               <a:rPr lang="en-US" sz="1200" dirty="0" smtClean="0"/>
-              <a:t>Contains</a:t>
+              <a:t>1</a:t>
             </a:r>
             <a:endParaRPr lang="en-CA" sz="1200" dirty="0"/>
           </a:p>
@@ -4154,14 +4208,14 @@
       </p:sp>
       <p:sp>
         <p:nvSpPr>
-          <p:cNvPr id="31" name="TextBox 30"/>
+          <p:cNvPr id="33" name="TextBox 32"/>
           <p:cNvSpPr txBox="1"/>
           <p:nvPr/>
         </p:nvSpPr>
         <p:spPr>
           <a:xfrm>
-            <a:off x="2556186" y="1721307"/>
-            <a:ext cx="263214" cy="276999"/>
+            <a:off x="5791200" y="2042627"/>
+            <a:ext cx="1125949" cy="276999"/>
           </a:xfrm>
           <a:prstGeom prst="rect">
             <a:avLst/>
@@ -4176,7 +4230,7 @@
           <a:p>
             <a:r>
               <a:rPr lang="en-US" sz="1200" dirty="0" smtClean="0"/>
-              <a:t>1</a:t>
+              <a:t>Records sale of</a:t>
             </a:r>
             <a:endParaRPr lang="en-CA" sz="1200" dirty="0"/>
           </a:p>
@@ -4184,14 +4238,14 @@
       </p:sp>
       <p:sp>
         <p:nvSpPr>
-          <p:cNvPr id="33" name="TextBox 32"/>
+          <p:cNvPr id="34" name="TextBox 33"/>
           <p:cNvSpPr txBox="1"/>
           <p:nvPr/>
         </p:nvSpPr>
         <p:spPr>
           <a:xfrm>
-            <a:off x="6325481" y="2042627"/>
-            <a:ext cx="1125949" cy="276999"/>
+            <a:off x="838200" y="3276600"/>
+            <a:ext cx="643125" cy="276999"/>
           </a:xfrm>
           <a:prstGeom prst="rect">
             <a:avLst/>
@@ -4206,7 +4260,7 @@
           <a:p>
             <a:r>
               <a:rPr lang="en-US" sz="1200" dirty="0" smtClean="0"/>
-              <a:t>Records sale of</a:t>
+              <a:t>Applies</a:t>
             </a:r>
             <a:endParaRPr lang="en-CA" sz="1200" dirty="0"/>
           </a:p>
@@ -4214,14 +4268,14 @@
       </p:sp>
       <p:sp>
         <p:nvSpPr>
-          <p:cNvPr id="34" name="TextBox 33"/>
+          <p:cNvPr id="35" name="TextBox 34"/>
           <p:cNvSpPr txBox="1"/>
           <p:nvPr/>
         </p:nvSpPr>
         <p:spPr>
           <a:xfrm>
-            <a:off x="3584130" y="3013979"/>
-            <a:ext cx="643125" cy="276999"/>
+            <a:off x="7627776" y="3013979"/>
+            <a:ext cx="992451" cy="276999"/>
           </a:xfrm>
           <a:prstGeom prst="rect">
             <a:avLst/>
@@ -4236,7 +4290,7 @@
           <a:p>
             <a:r>
               <a:rPr lang="en-US" sz="1200" dirty="0" smtClean="0"/>
-              <a:t>Applies</a:t>
+              <a:t>Promoted by</a:t>
             </a:r>
             <a:endParaRPr lang="en-CA" sz="1200" dirty="0"/>
           </a:p>
@@ -4244,14 +4298,14 @@
       </p:sp>
       <p:sp>
         <p:nvSpPr>
-          <p:cNvPr id="35" name="TextBox 34"/>
+          <p:cNvPr id="36" name="TextBox 35"/>
           <p:cNvSpPr txBox="1"/>
           <p:nvPr/>
         </p:nvSpPr>
         <p:spPr>
           <a:xfrm>
-            <a:off x="8008776" y="3013979"/>
-            <a:ext cx="992451" cy="276999"/>
+            <a:off x="418642" y="990600"/>
+            <a:ext cx="1580882" cy="369332"/>
           </a:xfrm>
           <a:prstGeom prst="rect">
             <a:avLst/>
@@ -4265,8 +4319,75 @@
           <a:lstStyle/>
           <a:p>
             <a:r>
+              <a:rPr lang="en-US" dirty="0" smtClean="0"/>
+              <a:t>Domain Model</a:t>
+            </a:r>
+            <a:endParaRPr lang="en-CA" dirty="0"/>
+          </a:p>
+        </p:txBody>
+      </p:sp>
+      <p:cxnSp>
+        <p:nvCxnSpPr>
+          <p:cNvPr id="45" name="Straight Connector 31"/>
+          <p:cNvCxnSpPr/>
+          <p:nvPr/>
+        </p:nvCxnSpPr>
+        <p:spPr>
+          <a:xfrm>
+            <a:off x="5029200" y="3962400"/>
+            <a:ext cx="0" cy="685800"/>
+          </a:xfrm>
+          <a:prstGeom prst="line">
+            <a:avLst/>
+          </a:prstGeom>
+          <a:ln>
+            <a:solidFill>
+              <a:schemeClr val="bg1">
+                <a:lumMod val="50000"/>
+              </a:schemeClr>
+            </a:solidFill>
+          </a:ln>
+        </p:spPr>
+        <p:style>
+          <a:lnRef idx="1">
+            <a:schemeClr val="accent1"/>
+          </a:lnRef>
+          <a:fillRef idx="0">
+            <a:schemeClr val="accent1"/>
+          </a:fillRef>
+          <a:effectRef idx="0">
+            <a:schemeClr val="accent1"/>
+          </a:effectRef>
+          <a:fontRef idx="minor">
+            <a:schemeClr val="tx1"/>
+          </a:fontRef>
+        </p:style>
+      </p:cxnSp>
+      <p:sp>
+        <p:nvSpPr>
+          <p:cNvPr id="50" name="TextBox 49"/>
+          <p:cNvSpPr txBox="1"/>
+          <p:nvPr/>
+        </p:nvSpPr>
+        <p:spPr>
+          <a:xfrm>
+            <a:off x="5257800" y="4114800"/>
+            <a:ext cx="726417" cy="276999"/>
+          </a:xfrm>
+          <a:prstGeom prst="rect">
+            <a:avLst/>
+          </a:prstGeom>
+          <a:noFill/>
+        </p:spPr>
+        <p:txBody>
+          <a:bodyPr wrap="none" rtlCol="0">
+            <a:spAutoFit/>
+          </a:bodyPr>
+          <a:lstStyle/>
+          <a:p>
+            <a:r>
               <a:rPr lang="en-US" sz="1200" dirty="0" smtClean="0"/>
-              <a:t>Promoted by</a:t>
+              <a:t>Contains</a:t>
             </a:r>
             <a:endParaRPr lang="en-CA" sz="1200" dirty="0"/>
           </a:p>
@@ -4275,13 +4396,20 @@
     </p:spTree>
     <p:extLst>
       <p:ext uri="{BB962C8B-B14F-4D97-AF65-F5344CB8AC3E}">
-        <p14:creationId xmlns:p14="http://schemas.microsoft.com/office/powerpoint/2010/main" val="3694508415"/>
+        <p14:creationId xmlns:p14="http://schemas.microsoft.com/office/powerpoint/2010/main" xmlns="" val="3694508415"/>
       </p:ext>
     </p:extLst>
   </p:cSld>
   <p:clrMapOvr>
     <a:masterClrMapping/>
   </p:clrMapOvr>
+  <p:timing>
+    <p:tnLst>
+      <p:par>
+        <p:cTn id="1" dur="indefinite" restart="never" nodeType="tmRoot"/>
+      </p:par>
+    </p:tnLst>
+  </p:timing>
 </p:sld>
 </file>
 
@@ -5269,13 +5397,20 @@
     </p:spTree>
     <p:extLst>
       <p:ext uri="{BB962C8B-B14F-4D97-AF65-F5344CB8AC3E}">
-        <p14:creationId xmlns:p14="http://schemas.microsoft.com/office/powerpoint/2010/main" val="306365573"/>
+        <p14:creationId xmlns:p14="http://schemas.microsoft.com/office/powerpoint/2010/main" xmlns="" val="306365573"/>
       </p:ext>
     </p:extLst>
   </p:cSld>
   <p:clrMapOvr>
     <a:masterClrMapping/>
   </p:clrMapOvr>
+  <p:timing>
+    <p:tnLst>
+      <p:par>
+        <p:cTn id="1" dur="indefinite" restart="never" nodeType="tmRoot"/>
+      </p:par>
+    </p:tnLst>
+  </p:timing>
 </p:sld>
 </file>
 
@@ -7145,7 +7280,7 @@
             <a:pPr algn="ctr"/>
             <a:r>
               <a:rPr lang="en-US" sz="1600" dirty="0" smtClean="0"/>
-              <a:t>If there’s multiple promotion on a product, this strategy decides the lowest price offer promotion.</a:t>
+              <a:t>If there’re multiple promotions on a product, this strategy chooses the lowest price offer promotion.</a:t>
             </a:r>
             <a:endParaRPr lang="en-CA" sz="1600" dirty="0"/>
           </a:p>
@@ -7154,13 +7289,20 @@
     </p:spTree>
     <p:extLst>
       <p:ext uri="{BB962C8B-B14F-4D97-AF65-F5344CB8AC3E}">
-        <p14:creationId xmlns:p14="http://schemas.microsoft.com/office/powerpoint/2010/main" val="3755639646"/>
+        <p14:creationId xmlns:p14="http://schemas.microsoft.com/office/powerpoint/2010/main" xmlns="" val="3755639646"/>
       </p:ext>
     </p:extLst>
   </p:cSld>
   <p:clrMapOvr>
     <a:masterClrMapping/>
   </p:clrMapOvr>
+  <p:timing>
+    <p:tnLst>
+      <p:par>
+        <p:cTn id="1" dur="indefinite" restart="never" nodeType="tmRoot"/>
+      </p:par>
+    </p:tnLst>
+  </p:timing>
 </p:sld>
 </file>
 
